--- a/prototypes/User Stories/User Stories.pptx
+++ b/prototypes/User Stories/User Stories.pptx
@@ -4882,17 +4882,17 @@
         </p:nvSpPr>
         <p:spPr>
           <a:xfrm>
-            <a:off x="261620" y="943610"/>
-            <a:ext cx="8620760" cy="5157470"/>
+            <a:off x="261620" y="618490"/>
+            <a:ext cx="8620760" cy="5561965"/>
           </a:xfrm>
         </p:spPr>
         <p:txBody>
           <a:bodyPr>
-            <a:normAutofit fontScale="70000"/>
+            <a:normAutofit fontScale="40000"/>
           </a:bodyPr>
           <a:lstStyle/>
           <a:p>
-            <a:pPr marL="457200" indent="-457200" fontAlgn="auto">
+            <a:pPr marL="228600" indent="-228600" fontAlgn="auto">
               <a:lnSpc>
                 <a:spcPct val="125000"/>
               </a:lnSpc>
@@ -4915,9 +4915,9 @@
                 </a:solidFill>
                 <a:sym typeface="+mn-ea"/>
               </a:rPr>
-              <a:t>Користувач заходить на стартову сторінку сайту</a:t>
-            </a:r>
-            <a:endParaRPr lang="uk-UA" sz="1600" dirty="0">
+              <a:t>Створити проекти в репозиторії</a:t>
+            </a:r>
+            <a:endParaRPr lang="en-US" altLang="uk-UA" sz="1600" dirty="0">
               <a:solidFill>
                 <a:srgbClr val="000000"/>
               </a:solidFill>
@@ -4942,6 +4942,786 @@
               <a:buChar char=""/>
             </a:pPr>
             <a:r>
+              <a:rPr lang="uk-UA" sz="1600" dirty="0">
+                <a:solidFill>
+                  <a:srgbClr val="000000"/>
+                </a:solidFill>
+                <a:sym typeface="+mn-ea"/>
+              </a:rPr>
+              <a:t>Створити структуру репозиторія</a:t>
+            </a:r>
+            <a:endParaRPr lang="uk-UA" sz="1600" dirty="0">
+              <a:solidFill>
+                <a:srgbClr val="000000"/>
+              </a:solidFill>
+              <a:sym typeface="+mn-ea"/>
+            </a:endParaRPr>
+          </a:p>
+          <a:p>
+            <a:pPr lvl="1" fontAlgn="auto">
+              <a:lnSpc>
+                <a:spcPct val="125000"/>
+              </a:lnSpc>
+              <a:spcBef>
+                <a:spcPts val="0"/>
+              </a:spcBef>
+              <a:spcAft>
+                <a:spcPts val="0"/>
+              </a:spcAft>
+              <a:buClr>
+                <a:srgbClr val="000000"/>
+              </a:buClr>
+              <a:buFont typeface="Wingdings" panose="05000000000000000000" charset="0"/>
+              <a:buChar char=""/>
+            </a:pPr>
+            <a:r>
+              <a:rPr lang="uk-UA" sz="1600" dirty="0">
+                <a:solidFill>
+                  <a:srgbClr val="000000"/>
+                </a:solidFill>
+                <a:sym typeface="+mn-ea"/>
+              </a:rPr>
+              <a:t>В </a:t>
+            </a:r>
+            <a:r>
+              <a:rPr lang="en-US" sz="1600" dirty="0">
+                <a:solidFill>
+                  <a:srgbClr val="000000"/>
+                </a:solidFill>
+                <a:sym typeface="+mn-ea"/>
+              </a:rPr>
+              <a:t>src c</a:t>
+            </a:r>
+            <a:r>
+              <a:rPr lang="uk-UA" sz="1600" dirty="0">
+                <a:solidFill>
+                  <a:srgbClr val="000000"/>
+                </a:solidFill>
+                <a:sym typeface="+mn-ea"/>
+              </a:rPr>
+              <a:t>творити проект </a:t>
+            </a:r>
+            <a:r>
+              <a:rPr lang="en-US" sz="1600" dirty="0">
+                <a:solidFill>
+                  <a:srgbClr val="000000"/>
+                </a:solidFill>
+                <a:sym typeface="+mn-ea"/>
+              </a:rPr>
+              <a:t>EPA.Common</a:t>
+            </a:r>
+            <a:endParaRPr lang="en-US" sz="1600" dirty="0">
+              <a:solidFill>
+                <a:srgbClr val="000000"/>
+              </a:solidFill>
+              <a:sym typeface="+mn-ea"/>
+            </a:endParaRPr>
+          </a:p>
+          <a:p>
+            <a:pPr lvl="1" fontAlgn="auto">
+              <a:lnSpc>
+                <a:spcPct val="125000"/>
+              </a:lnSpc>
+              <a:spcBef>
+                <a:spcPts val="0"/>
+              </a:spcBef>
+              <a:spcAft>
+                <a:spcPts val="0"/>
+              </a:spcAft>
+              <a:buClr>
+                <a:srgbClr val="000000"/>
+              </a:buClr>
+              <a:buFont typeface="Wingdings" panose="05000000000000000000" charset="0"/>
+              <a:buChar char=""/>
+            </a:pPr>
+            <a:r>
+              <a:rPr lang="uk-UA" sz="1600" dirty="0">
+                <a:solidFill>
+                  <a:srgbClr val="000000"/>
+                </a:solidFill>
+                <a:sym typeface="+mn-ea"/>
+              </a:rPr>
+              <a:t>В </a:t>
+            </a:r>
+            <a:r>
+              <a:rPr lang="en-US" sz="1600" dirty="0">
+                <a:solidFill>
+                  <a:srgbClr val="000000"/>
+                </a:solidFill>
+                <a:sym typeface="+mn-ea"/>
+              </a:rPr>
+              <a:t>src </a:t>
+            </a:r>
+            <a:r>
+              <a:rPr lang="uk-UA" sz="1600" dirty="0">
+                <a:solidFill>
+                  <a:srgbClr val="000000"/>
+                </a:solidFill>
+                <a:sym typeface="+mn-ea"/>
+              </a:rPr>
+              <a:t>створити проект </a:t>
+            </a:r>
+            <a:r>
+              <a:rPr lang="en-US" sz="1600" dirty="0">
+                <a:solidFill>
+                  <a:srgbClr val="000000"/>
+                </a:solidFill>
+                <a:sym typeface="+mn-ea"/>
+              </a:rPr>
+              <a:t>EPA.DB</a:t>
+            </a:r>
+            <a:endParaRPr lang="en-US" sz="1600" dirty="0">
+              <a:solidFill>
+                <a:srgbClr val="000000"/>
+              </a:solidFill>
+              <a:sym typeface="+mn-ea"/>
+            </a:endParaRPr>
+          </a:p>
+          <a:p>
+            <a:pPr lvl="1" fontAlgn="auto">
+              <a:lnSpc>
+                <a:spcPct val="125000"/>
+              </a:lnSpc>
+              <a:spcBef>
+                <a:spcPts val="0"/>
+              </a:spcBef>
+              <a:spcAft>
+                <a:spcPts val="0"/>
+              </a:spcAft>
+              <a:buClr>
+                <a:srgbClr val="000000"/>
+              </a:buClr>
+              <a:buFont typeface="Wingdings" panose="05000000000000000000" charset="0"/>
+              <a:buChar char=""/>
+            </a:pPr>
+            <a:r>
+              <a:rPr lang="uk-UA" sz="1600" dirty="0">
+                <a:solidFill>
+                  <a:srgbClr val="000000"/>
+                </a:solidFill>
+                <a:sym typeface="+mn-ea"/>
+              </a:rPr>
+              <a:t>В </a:t>
+            </a:r>
+            <a:r>
+              <a:rPr lang="en-US" sz="1600" dirty="0">
+                <a:solidFill>
+                  <a:srgbClr val="000000"/>
+                </a:solidFill>
+                <a:sym typeface="+mn-ea"/>
+              </a:rPr>
+              <a:t>src </a:t>
+            </a:r>
+            <a:r>
+              <a:rPr lang="uk-UA" sz="1600" dirty="0">
+                <a:solidFill>
+                  <a:srgbClr val="000000"/>
+                </a:solidFill>
+                <a:sym typeface="+mn-ea"/>
+              </a:rPr>
+              <a:t>створити проект </a:t>
+            </a:r>
+            <a:r>
+              <a:rPr lang="en-US" sz="1600" dirty="0">
+                <a:solidFill>
+                  <a:srgbClr val="000000"/>
+                </a:solidFill>
+                <a:sym typeface="+mn-ea"/>
+              </a:rPr>
+              <a:t>EPA.Web</a:t>
+            </a:r>
+            <a:endParaRPr lang="en-US" sz="1600" dirty="0">
+              <a:solidFill>
+                <a:srgbClr val="000000"/>
+              </a:solidFill>
+              <a:sym typeface="+mn-ea"/>
+            </a:endParaRPr>
+          </a:p>
+          <a:p>
+            <a:pPr lvl="1" fontAlgn="auto">
+              <a:lnSpc>
+                <a:spcPct val="125000"/>
+              </a:lnSpc>
+              <a:spcBef>
+                <a:spcPts val="0"/>
+              </a:spcBef>
+              <a:spcAft>
+                <a:spcPts val="0"/>
+              </a:spcAft>
+              <a:buClr>
+                <a:srgbClr val="000000"/>
+              </a:buClr>
+              <a:buFont typeface="Wingdings" panose="05000000000000000000" charset="0"/>
+              <a:buChar char=""/>
+            </a:pPr>
+            <a:r>
+              <a:rPr lang="uk-UA" sz="1600" dirty="0">
+                <a:solidFill>
+                  <a:srgbClr val="000000"/>
+                </a:solidFill>
+                <a:sym typeface="+mn-ea"/>
+              </a:rPr>
+              <a:t>В </a:t>
+            </a:r>
+            <a:r>
+              <a:rPr lang="en-US" sz="1600" dirty="0">
+                <a:solidFill>
+                  <a:srgbClr val="000000"/>
+                </a:solidFill>
+                <a:sym typeface="+mn-ea"/>
+              </a:rPr>
+              <a:t>src </a:t>
+            </a:r>
+            <a:r>
+              <a:rPr lang="uk-UA" sz="1600" dirty="0">
+                <a:solidFill>
+                  <a:srgbClr val="000000"/>
+                </a:solidFill>
+                <a:sym typeface="+mn-ea"/>
+              </a:rPr>
+              <a:t>створити проекти </a:t>
+            </a:r>
+            <a:r>
+              <a:rPr lang="en-US" sz="1600" dirty="0">
+                <a:solidFill>
+                  <a:srgbClr val="000000"/>
+                </a:solidFill>
+                <a:sym typeface="+mn-ea"/>
+              </a:rPr>
+              <a:t>EPA.UnitTests </a:t>
+            </a:r>
+            <a:r>
+              <a:rPr lang="uk-UA" altLang="en-US" sz="1600" dirty="0">
+                <a:solidFill>
+                  <a:srgbClr val="000000"/>
+                </a:solidFill>
+                <a:sym typeface="+mn-ea"/>
+              </a:rPr>
+              <a:t>та </a:t>
+            </a:r>
+            <a:r>
+              <a:rPr lang="en-US" altLang="en-US" sz="1600" dirty="0">
+                <a:solidFill>
+                  <a:srgbClr val="000000"/>
+                </a:solidFill>
+                <a:sym typeface="+mn-ea"/>
+              </a:rPr>
+              <a:t>EPA.IntegrationTests</a:t>
+            </a:r>
+            <a:endParaRPr lang="en-US" altLang="en-US" sz="1600" dirty="0">
+              <a:solidFill>
+                <a:srgbClr val="000000"/>
+              </a:solidFill>
+              <a:sym typeface="+mn-ea"/>
+            </a:endParaRPr>
+          </a:p>
+          <a:p>
+            <a:pPr lvl="1" fontAlgn="auto">
+              <a:lnSpc>
+                <a:spcPct val="125000"/>
+              </a:lnSpc>
+              <a:spcBef>
+                <a:spcPts val="0"/>
+              </a:spcBef>
+              <a:spcAft>
+                <a:spcPts val="0"/>
+              </a:spcAft>
+              <a:buClr>
+                <a:srgbClr val="000000"/>
+              </a:buClr>
+              <a:buFont typeface="Wingdings" panose="05000000000000000000" charset="0"/>
+              <a:buChar char=""/>
+            </a:pPr>
+            <a:r>
+              <a:rPr lang="uk-UA" sz="1600" dirty="0">
+                <a:solidFill>
+                  <a:srgbClr val="000000"/>
+                </a:solidFill>
+                <a:sym typeface="+mn-ea"/>
+              </a:rPr>
+              <a:t>Створити  проект </a:t>
+            </a:r>
+            <a:r>
+              <a:rPr lang="en-US" sz="1600" dirty="0">
+                <a:solidFill>
+                  <a:srgbClr val="000000"/>
+                </a:solidFill>
+                <a:sym typeface="+mn-ea"/>
+              </a:rPr>
+              <a:t>SSIS </a:t>
+            </a:r>
+            <a:r>
+              <a:rPr lang="uk-UA" sz="1600" dirty="0">
+                <a:solidFill>
+                  <a:srgbClr val="000000"/>
+                </a:solidFill>
+                <a:sym typeface="+mn-ea"/>
+              </a:rPr>
+              <a:t>в загальному репозиторії.</a:t>
+            </a:r>
+            <a:endParaRPr lang="uk-UA" sz="1600" dirty="0">
+              <a:solidFill>
+                <a:srgbClr val="000000"/>
+              </a:solidFill>
+              <a:sym typeface="+mn-ea"/>
+            </a:endParaRPr>
+          </a:p>
+          <a:p>
+            <a:pPr marL="228600" lvl="0" indent="-228600" fontAlgn="auto">
+              <a:lnSpc>
+                <a:spcPct val="125000"/>
+              </a:lnSpc>
+              <a:spcBef>
+                <a:spcPts val="0"/>
+              </a:spcBef>
+              <a:spcAft>
+                <a:spcPts val="0"/>
+              </a:spcAft>
+              <a:buClr>
+                <a:srgbClr val="000000"/>
+              </a:buClr>
+              <a:buFont typeface="Wingdings" panose="05000000000000000000" charset="0"/>
+              <a:buAutoNum type="arabicPeriod"/>
+            </a:pPr>
+            <a:r>
+              <a:rPr lang="uk-UA" sz="1600" dirty="0">
+                <a:solidFill>
+                  <a:srgbClr val="000000"/>
+                </a:solidFill>
+                <a:sym typeface="+mn-ea"/>
+              </a:rPr>
+              <a:t>Створити Тестову версію сайту</a:t>
+            </a:r>
+            <a:endParaRPr lang="uk-UA" sz="1600" dirty="0">
+              <a:solidFill>
+                <a:srgbClr val="000000"/>
+              </a:solidFill>
+              <a:sym typeface="+mn-ea"/>
+            </a:endParaRPr>
+          </a:p>
+          <a:p>
+            <a:pPr lvl="1" fontAlgn="auto">
+              <a:lnSpc>
+                <a:spcPct val="125000"/>
+              </a:lnSpc>
+              <a:spcBef>
+                <a:spcPts val="0"/>
+              </a:spcBef>
+              <a:spcAft>
+                <a:spcPts val="0"/>
+              </a:spcAft>
+              <a:buClr>
+                <a:srgbClr val="000000"/>
+              </a:buClr>
+              <a:buFont typeface="Wingdings" panose="05000000000000000000" charset="0"/>
+              <a:buChar char=""/>
+            </a:pPr>
+            <a:r>
+              <a:rPr lang="uk-UA" sz="1600" dirty="0">
+                <a:solidFill>
+                  <a:srgbClr val="000000"/>
+                </a:solidFill>
+                <a:sym typeface="+mn-ea"/>
+              </a:rPr>
+              <a:t>Розробити в </a:t>
+            </a:r>
+            <a:r>
+              <a:rPr lang="en-US" sz="1600" dirty="0">
+                <a:solidFill>
+                  <a:srgbClr val="000000"/>
+                </a:solidFill>
+                <a:sym typeface="+mn-ea"/>
+              </a:rPr>
+              <a:t>EPA.DB </a:t>
+            </a:r>
+            <a:r>
+              <a:rPr lang="uk-UA" altLang="en-US" sz="1600" dirty="0">
+                <a:solidFill>
+                  <a:srgbClr val="000000"/>
+                </a:solidFill>
+                <a:sym typeface="+mn-ea"/>
+              </a:rPr>
+              <a:t>створення в БД таблиці яка міститиме інформацію про Дату і час.</a:t>
+            </a:r>
+            <a:endParaRPr lang="uk-UA" altLang="en-US" sz="1600" dirty="0">
+              <a:solidFill>
+                <a:srgbClr val="000000"/>
+              </a:solidFill>
+              <a:sym typeface="+mn-ea"/>
+            </a:endParaRPr>
+          </a:p>
+          <a:p>
+            <a:pPr lvl="1" fontAlgn="auto">
+              <a:lnSpc>
+                <a:spcPct val="125000"/>
+              </a:lnSpc>
+              <a:spcBef>
+                <a:spcPts val="0"/>
+              </a:spcBef>
+              <a:spcAft>
+                <a:spcPts val="0"/>
+              </a:spcAft>
+              <a:buClr>
+                <a:srgbClr val="000000"/>
+              </a:buClr>
+              <a:buFont typeface="Wingdings" panose="05000000000000000000" charset="0"/>
+              <a:buChar char=""/>
+            </a:pPr>
+            <a:r>
+              <a:rPr lang="uk-UA" sz="1600" dirty="0">
+                <a:sym typeface="+mn-ea"/>
+              </a:rPr>
+              <a:t>Розробити </a:t>
+            </a:r>
+            <a:r>
+              <a:rPr lang="en-US" sz="1600" dirty="0">
+                <a:sym typeface="+mn-ea"/>
+              </a:rPr>
+              <a:t>SSIS </a:t>
+            </a:r>
+            <a:r>
+              <a:rPr lang="uk-UA" sz="1600" dirty="0">
+                <a:sym typeface="+mn-ea"/>
+              </a:rPr>
+              <a:t>проект, який записує в БД щогодини дату і час.</a:t>
+            </a:r>
+            <a:endParaRPr lang="en-US" altLang="en-US" sz="1600" dirty="0">
+              <a:solidFill>
+                <a:srgbClr val="000000"/>
+              </a:solidFill>
+              <a:sym typeface="+mn-ea"/>
+            </a:endParaRPr>
+          </a:p>
+          <a:p>
+            <a:pPr lvl="1" fontAlgn="auto">
+              <a:lnSpc>
+                <a:spcPct val="125000"/>
+              </a:lnSpc>
+              <a:spcBef>
+                <a:spcPts val="0"/>
+              </a:spcBef>
+              <a:spcAft>
+                <a:spcPts val="0"/>
+              </a:spcAft>
+              <a:buClr>
+                <a:srgbClr val="000000"/>
+              </a:buClr>
+              <a:buFont typeface="Wingdings" panose="05000000000000000000" charset="0"/>
+              <a:buChar char=""/>
+            </a:pPr>
+            <a:r>
+              <a:rPr lang="uk-UA" altLang="en-US" sz="1600" dirty="0">
+                <a:solidFill>
+                  <a:srgbClr val="000000"/>
+                </a:solidFill>
+                <a:sym typeface="+mn-ea"/>
+              </a:rPr>
+              <a:t>В </a:t>
+            </a:r>
+            <a:r>
+              <a:rPr lang="en-US" altLang="en-US" sz="1600" dirty="0">
+                <a:solidFill>
+                  <a:srgbClr val="000000"/>
+                </a:solidFill>
+                <a:sym typeface="+mn-ea"/>
+              </a:rPr>
+              <a:t>EPA.DB </a:t>
+            </a:r>
+            <a:r>
+              <a:rPr lang="uk-UA" altLang="en-US" sz="1600" dirty="0">
+                <a:solidFill>
+                  <a:srgbClr val="000000"/>
+                </a:solidFill>
+                <a:sym typeface="+mn-ea"/>
+              </a:rPr>
+              <a:t>реалізувати інтерфейс який через </a:t>
+            </a:r>
+            <a:r>
+              <a:rPr lang="en-US" altLang="en-US" sz="1600" dirty="0">
+                <a:solidFill>
+                  <a:srgbClr val="000000"/>
+                </a:solidFill>
+                <a:sym typeface="+mn-ea"/>
+              </a:rPr>
+              <a:t>EF </a:t>
+            </a:r>
+            <a:r>
+              <a:rPr lang="uk-UA" altLang="en-US" sz="1600" dirty="0">
+                <a:solidFill>
+                  <a:srgbClr val="000000"/>
+                </a:solidFill>
+                <a:sym typeface="+mn-ea"/>
+              </a:rPr>
+              <a:t>дістає з БД дату і час.</a:t>
+            </a:r>
+            <a:endParaRPr lang="en-US" altLang="en-US" sz="1600" dirty="0">
+              <a:solidFill>
+                <a:srgbClr val="000000"/>
+              </a:solidFill>
+              <a:sym typeface="+mn-ea"/>
+            </a:endParaRPr>
+          </a:p>
+          <a:p>
+            <a:pPr lvl="1" fontAlgn="auto">
+              <a:lnSpc>
+                <a:spcPct val="125000"/>
+              </a:lnSpc>
+              <a:spcBef>
+                <a:spcPts val="0"/>
+              </a:spcBef>
+              <a:spcAft>
+                <a:spcPts val="0"/>
+              </a:spcAft>
+              <a:buClr>
+                <a:srgbClr val="000000"/>
+              </a:buClr>
+              <a:buFont typeface="Wingdings" panose="05000000000000000000" charset="0"/>
+              <a:buChar char=""/>
+            </a:pPr>
+            <a:r>
+              <a:rPr lang="uk-UA" sz="1600" dirty="0">
+                <a:solidFill>
+                  <a:srgbClr val="000000"/>
+                </a:solidFill>
+                <a:sym typeface="+mn-ea"/>
+              </a:rPr>
+              <a:t>Створити веб-сторінку з </a:t>
+            </a:r>
+            <a:r>
+              <a:rPr lang="en-US" sz="1600" dirty="0">
+                <a:solidFill>
+                  <a:srgbClr val="000000"/>
+                </a:solidFill>
+                <a:sym typeface="+mn-ea"/>
+              </a:rPr>
+              <a:t>React</a:t>
+            </a:r>
+            <a:r>
+              <a:rPr lang="uk-UA" altLang="en-US" sz="1600" dirty="0">
+                <a:solidFill>
+                  <a:srgbClr val="000000"/>
+                </a:solidFill>
+                <a:sym typeface="+mn-ea"/>
+              </a:rPr>
+              <a:t>, і </a:t>
+            </a:r>
+            <a:r>
+              <a:rPr lang="en-US" altLang="en-US" sz="1600" dirty="0">
+                <a:solidFill>
+                  <a:srgbClr val="000000"/>
+                </a:solidFill>
+                <a:sym typeface="+mn-ea"/>
+              </a:rPr>
+              <a:t>React </a:t>
+            </a:r>
+            <a:r>
+              <a:rPr lang="uk-UA" altLang="en-US" sz="1600" dirty="0">
+                <a:solidFill>
+                  <a:srgbClr val="000000"/>
+                </a:solidFill>
+                <a:sym typeface="+mn-ea"/>
+              </a:rPr>
+              <a:t>робить запит до </a:t>
+            </a:r>
+            <a:r>
+              <a:rPr lang="en-US" altLang="en-US" sz="1600" dirty="0">
+                <a:solidFill>
+                  <a:srgbClr val="000000"/>
+                </a:solidFill>
+                <a:sym typeface="+mn-ea"/>
+              </a:rPr>
+              <a:t>A</a:t>
+            </a:r>
+            <a:r>
+              <a:rPr lang="en-US" altLang="en-US" sz="1600" dirty="0">
+                <a:solidFill>
+                  <a:srgbClr val="000000"/>
+                </a:solidFill>
+                <a:sym typeface="+mn-ea"/>
+              </a:rPr>
+              <a:t>PI</a:t>
+            </a:r>
+            <a:endParaRPr lang="en-US" altLang="en-US" sz="1600" dirty="0">
+              <a:solidFill>
+                <a:srgbClr val="000000"/>
+              </a:solidFill>
+              <a:sym typeface="+mn-ea"/>
+            </a:endParaRPr>
+          </a:p>
+          <a:p>
+            <a:pPr lvl="1" fontAlgn="auto">
+              <a:lnSpc>
+                <a:spcPct val="125000"/>
+              </a:lnSpc>
+              <a:spcBef>
+                <a:spcPts val="0"/>
+              </a:spcBef>
+              <a:spcAft>
+                <a:spcPts val="0"/>
+              </a:spcAft>
+              <a:buClr>
+                <a:srgbClr val="000000"/>
+              </a:buClr>
+              <a:buFont typeface="Wingdings" panose="05000000000000000000" charset="0"/>
+              <a:buChar char=""/>
+            </a:pPr>
+            <a:r>
+              <a:rPr lang="uk-UA" altLang="uk-UA" sz="1600" dirty="0">
+                <a:solidFill>
+                  <a:srgbClr val="000000"/>
+                </a:solidFill>
+                <a:sym typeface="+mn-ea"/>
+              </a:rPr>
+              <a:t>В </a:t>
+            </a:r>
+            <a:r>
+              <a:rPr lang="en-US" altLang="uk-UA" sz="1600" dirty="0">
+                <a:solidFill>
+                  <a:srgbClr val="000000"/>
+                </a:solidFill>
+                <a:sym typeface="+mn-ea"/>
+              </a:rPr>
+              <a:t>EPA.Common </a:t>
+            </a:r>
+            <a:r>
+              <a:rPr lang="uk-UA" altLang="uk-UA" sz="1600" dirty="0">
+                <a:solidFill>
+                  <a:srgbClr val="000000"/>
+                </a:solidFill>
+                <a:sym typeface="+mn-ea"/>
+              </a:rPr>
+              <a:t>розробити </a:t>
+            </a:r>
+            <a:r>
+              <a:rPr lang="en-US" altLang="uk-UA" sz="1600" dirty="0">
+                <a:solidFill>
+                  <a:srgbClr val="000000"/>
+                </a:solidFill>
+                <a:sym typeface="+mn-ea"/>
+              </a:rPr>
+              <a:t>API </a:t>
+            </a:r>
+            <a:r>
+              <a:rPr lang="uk-UA" altLang="uk-UA" sz="1600" dirty="0">
+                <a:solidFill>
+                  <a:srgbClr val="000000"/>
+                </a:solidFill>
+                <a:sym typeface="+mn-ea"/>
+              </a:rPr>
+              <a:t>який викликає метод з БД</a:t>
+            </a:r>
+            <a:endParaRPr lang="uk-UA" altLang="uk-UA" sz="1600" dirty="0">
+              <a:solidFill>
+                <a:srgbClr val="000000"/>
+              </a:solidFill>
+              <a:sym typeface="+mn-ea"/>
+            </a:endParaRPr>
+          </a:p>
+          <a:p>
+            <a:pPr lvl="1" fontAlgn="auto">
+              <a:lnSpc>
+                <a:spcPct val="125000"/>
+              </a:lnSpc>
+              <a:spcBef>
+                <a:spcPts val="0"/>
+              </a:spcBef>
+              <a:spcAft>
+                <a:spcPts val="0"/>
+              </a:spcAft>
+              <a:buClr>
+                <a:srgbClr val="000000"/>
+              </a:buClr>
+              <a:buFont typeface="Wingdings" panose="05000000000000000000" charset="0"/>
+              <a:buChar char=""/>
+            </a:pPr>
+            <a:r>
+              <a:rPr lang="uk-UA" sz="1600" dirty="0">
+                <a:solidFill>
+                  <a:srgbClr val="000000"/>
+                </a:solidFill>
+                <a:sym typeface="+mn-ea"/>
+              </a:rPr>
+              <a:t>Розробити</a:t>
+            </a:r>
+            <a:endParaRPr lang="uk-UA" sz="1600" dirty="0">
+              <a:solidFill>
+                <a:srgbClr val="000000"/>
+              </a:solidFill>
+              <a:sym typeface="+mn-ea"/>
+            </a:endParaRPr>
+          </a:p>
+          <a:p>
+            <a:pPr lvl="1" fontAlgn="auto">
+              <a:lnSpc>
+                <a:spcPct val="125000"/>
+              </a:lnSpc>
+              <a:spcBef>
+                <a:spcPts val="0"/>
+              </a:spcBef>
+              <a:spcAft>
+                <a:spcPts val="0"/>
+              </a:spcAft>
+              <a:buClr>
+                <a:srgbClr val="000000"/>
+              </a:buClr>
+              <a:buFont typeface="Wingdings" panose="05000000000000000000" charset="0"/>
+              <a:buChar char=""/>
+            </a:pPr>
+            <a:endParaRPr lang="uk-UA" sz="1600" dirty="0">
+              <a:solidFill>
+                <a:srgbClr val="000000"/>
+              </a:solidFill>
+              <a:sym typeface="+mn-ea"/>
+            </a:endParaRPr>
+          </a:p>
+          <a:p>
+            <a:pPr marL="228600" lvl="0" indent="-228600" fontAlgn="auto">
+              <a:lnSpc>
+                <a:spcPct val="125000"/>
+              </a:lnSpc>
+              <a:spcBef>
+                <a:spcPts val="0"/>
+              </a:spcBef>
+              <a:spcAft>
+                <a:spcPts val="0"/>
+              </a:spcAft>
+              <a:buClr>
+                <a:srgbClr val="000000"/>
+              </a:buClr>
+              <a:buFont typeface="Wingdings" panose="05000000000000000000" charset="0"/>
+              <a:buAutoNum type="arabicPeriod"/>
+            </a:pPr>
+            <a:r>
+              <a:rPr lang="uk-UA" sz="1600" dirty="0">
+                <a:sym typeface="+mn-ea"/>
+              </a:rPr>
+              <a:t>Користувач заходить на стартову сторінку сайту</a:t>
+            </a:r>
+            <a:endParaRPr lang="uk-UA" sz="1600" dirty="0">
+              <a:solidFill>
+                <a:srgbClr val="000000"/>
+              </a:solidFill>
+              <a:sym typeface="+mn-ea"/>
+            </a:endParaRPr>
+          </a:p>
+          <a:p>
+            <a:pPr lvl="1" fontAlgn="auto">
+              <a:lnSpc>
+                <a:spcPct val="125000"/>
+              </a:lnSpc>
+              <a:spcBef>
+                <a:spcPts val="0"/>
+              </a:spcBef>
+              <a:spcAft>
+                <a:spcPts val="0"/>
+              </a:spcAft>
+              <a:buClr>
+                <a:srgbClr val="000000"/>
+              </a:buClr>
+              <a:buFont typeface="Wingdings" panose="05000000000000000000" charset="0"/>
+              <a:buChar char=""/>
+            </a:pPr>
+            <a:r>
               <a:rPr lang="uk-UA" sz="1600" i="1" dirty="0">
                 <a:solidFill>
                   <a:srgbClr val="000000"/>
@@ -4958,7 +5738,7 @@
             </a:endParaRPr>
           </a:p>
           <a:p>
-            <a:pPr marL="457200" indent="-457200" fontAlgn="auto">
+            <a:pPr marL="228600" indent="-228600" fontAlgn="auto">
               <a:lnSpc>
                 <a:spcPct val="125000"/>
               </a:lnSpc>
@@ -4981,27 +5761,9 @@
                 </a:solidFill>
                 <a:sym typeface="+mn-ea"/>
               </a:rPr>
-              <a:t>Натискає кнопку “</a:t>
-            </a:r>
-            <a:r>
-              <a:rPr lang="uk-UA" sz="1600" dirty="0">
-                <a:solidFill>
-                  <a:srgbClr val="000000"/>
-                </a:solidFill>
-                <a:sym typeface="+mn-ea"/>
-              </a:rPr>
-              <a:t>Тести на профоірєнтацію</a:t>
-            </a:r>
-            <a:r>
-              <a:rPr lang="uk-UA" sz="1600" dirty="0">
-                <a:solidFill>
-                  <a:srgbClr val="000000"/>
-                </a:solidFill>
-                <a:sym typeface="+mn-ea"/>
-              </a:rPr>
-              <a:t>”</a:t>
-            </a:r>
-            <a:endParaRPr lang="uk-UA" altLang="uk-UA" sz="1600" dirty="0">
+              <a:t>Натискає кнопку “Тести на профорієнтацію”</a:t>
+            </a:r>
+            <a:endParaRPr lang="uk-UA" sz="1600" dirty="0">
               <a:solidFill>
                 <a:srgbClr val="000000"/>
               </a:solidFill>
@@ -5009,7 +5771,7 @@
             </a:endParaRPr>
           </a:p>
           <a:p>
-            <a:pPr marL="457200" indent="-457200" fontAlgn="auto">
+            <a:pPr marL="228600" indent="-228600" fontAlgn="auto">
               <a:lnSpc>
                 <a:spcPct val="125000"/>
               </a:lnSpc>
@@ -5032,7 +5794,7 @@
                 </a:solidFill>
                 <a:sym typeface="+mn-ea"/>
               </a:rPr>
-              <a:t>Користувач попадає на сторінку з де відображаються профорієнтаційні тести з інформацією про них, та можливістю пройти(кнопка “Розпочати Тест”)</a:t>
+              <a:t>Користувач попадає на сторінку з де відображаються профорієнтаційний тест з інформацією про нього, та можливістю пройти(кнопка “Розпочати Тест”)</a:t>
             </a:r>
             <a:endParaRPr lang="uk-UA" altLang="en-US" sz="1600" dirty="0">
               <a:solidFill>
@@ -5065,7 +5827,7 @@
                 </a:solidFill>
                 <a:sym typeface="+mn-ea"/>
               </a:rPr>
-              <a:t>Створити таблицю в БД, яка зберігатиме інформацію про тести.</a:t>
+              <a:t>Створити таблицю в БД, яка зберігатиме інформацію про тест.</a:t>
             </a:r>
             <a:endParaRPr lang="uk-UA" altLang="en-US" sz="1600" i="1" dirty="0">
               <a:solidFill>
@@ -5098,7 +5860,7 @@
                 </a:solidFill>
                 <a:sym typeface="+mn-ea"/>
               </a:rPr>
-              <a:t>Імпортувати дані в таблиці.з інформацією про тести</a:t>
+              <a:t>Імпортувати дані в таблиці з інформацією про тест</a:t>
             </a:r>
             <a:endParaRPr lang="uk-UA" altLang="en-US" sz="1600" i="1" dirty="0">
               <a:solidFill>
@@ -5149,7 +5911,7 @@
                 </a:solidFill>
                 <a:sym typeface="+mn-ea"/>
               </a:rPr>
-              <a:t>для отримування інформації про тести</a:t>
+              <a:t>для отримування інформації про тест</a:t>
             </a:r>
             <a:endParaRPr lang="uk-UA" altLang="en-US" sz="1600" i="1" dirty="0">
               <a:solidFill>
@@ -5182,7 +5944,7 @@
                 </a:solidFill>
                 <a:sym typeface="+mn-ea"/>
               </a:rPr>
-              <a:t>Створити сторінку де розміщується інформація про тест</a:t>
+              <a:t>Створити сторінку, що містить інформація про тест</a:t>
             </a:r>
             <a:endParaRPr lang="uk-UA" altLang="en-US" sz="1600" i="1" dirty="0">
               <a:solidFill>
@@ -5192,7 +5954,7 @@
             </a:endParaRPr>
           </a:p>
           <a:p>
-            <a:pPr marL="457200" lvl="0" indent="-457200" fontAlgn="auto">
+            <a:pPr marL="228600" lvl="0" indent="-228600" fontAlgn="auto">
               <a:lnSpc>
                 <a:spcPct val="125000"/>
               </a:lnSpc>
@@ -5225,7 +5987,7 @@
             </a:endParaRPr>
           </a:p>
           <a:p>
-            <a:pPr marL="457200" lvl="0" indent="-457200" fontAlgn="auto">
+            <a:pPr marL="228600" lvl="0" indent="-228600" fontAlgn="auto">
               <a:lnSpc>
                 <a:spcPct val="125000"/>
               </a:lnSpc>
@@ -5281,7 +6043,7 @@
                 </a:solidFill>
                 <a:sym typeface="+mn-ea"/>
               </a:rPr>
-              <a:t>Розробити таблицю з питаннями до тесту</a:t>
+              <a:t>Створити таблицю з питаннями до тесту</a:t>
             </a:r>
             <a:endParaRPr lang="uk-UA" altLang="en-US" sz="1600" i="1" dirty="0">
               <a:solidFill>
@@ -5408,7 +6170,7 @@
             </a:endParaRPr>
           </a:p>
           <a:p>
-            <a:pPr marL="457200" lvl="0" indent="-457200" fontAlgn="auto">
+            <a:pPr marL="228600" lvl="0" indent="-228600" fontAlgn="auto">
               <a:lnSpc>
                 <a:spcPct val="125000"/>
               </a:lnSpc>
@@ -5492,7 +6254,7 @@
             </a:endParaRPr>
           </a:p>
           <a:p>
-            <a:pPr marL="457200" lvl="0" indent="-457200" fontAlgn="auto">
+            <a:pPr marL="228600" lvl="0" indent="-228600" fontAlgn="auto">
               <a:lnSpc>
                 <a:spcPct val="125000"/>
               </a:lnSpc>
@@ -5548,7 +6310,7 @@
                 </a:solidFill>
                 <a:sym typeface="+mn-ea"/>
               </a:rPr>
-              <a:t>Створити таблиці в БД які зберігатимуть інформацію про університети, спеціальності  та конкурсами для кожної спеціальності в оеремомому університеті</a:t>
+              <a:t>Створити таблиці в БД які зберігатимуть інформацію про університети, спеціальності  та конкурсами для кожної спеціальності в окремому університеті</a:t>
             </a:r>
             <a:endParaRPr lang="uk-UA" altLang="en-US" sz="1600" i="1" dirty="0">
               <a:solidFill>
@@ -5641,16 +6403,7 @@
                 </a:solidFill>
                 <a:sym typeface="+mn-ea"/>
               </a:rPr>
-              <a:t>для </a:t>
-            </a:r>
-            <a:r>
-              <a:rPr lang="uk-UA" altLang="en-US" sz="1600" i="1" dirty="0">
-                <a:solidFill>
-                  <a:srgbClr val="000000"/>
-                </a:solidFill>
-                <a:sym typeface="+mn-ea"/>
-              </a:rPr>
-              <a:t>виведення результату тестування, та рекомендованими галузями на основі результатів</a:t>
+              <a:t>для виведення результату тестування, та рекомендованими галузями на основі результатів</a:t>
             </a:r>
             <a:endParaRPr lang="uk-UA" altLang="en-US" sz="1600" i="1" dirty="0">
               <a:solidFill>
@@ -5758,7 +6511,7 @@
         <p:spPr>
           <a:xfrm>
             <a:off x="272415" y="127000"/>
-            <a:ext cx="8674100" cy="816610"/>
+            <a:ext cx="8674100" cy="492125"/>
           </a:xfrm>
         </p:spPr>
         <p:txBody>
@@ -5773,12 +6526,9 @@
               <a:rPr lang="uk-UA" altLang="en-US" sz="1800"/>
               <a:t>1 </a:t>
             </a:r>
-            <a:br>
-              <a:rPr lang="uk-UA" altLang="en-US" sz="1800"/>
-            </a:br>
             <a:r>
               <a:rPr lang="uk-UA" sz="1800"/>
-              <a:t>Як користувач, я б хотів хотів зайти на сторінку з тестами на профорієнтацію, пройти один з них, і отримати результат з рекомендаціями на спеціальності</a:t>
+              <a:t>Як Користувач, я б хотів отримати рекомендації в який університет мені подавати документи</a:t>
             </a:r>
             <a:endParaRPr lang="uk-UA" sz="1800"/>
           </a:p>
@@ -5800,7 +6550,7 @@
         </p:blipFill>
         <p:spPr>
           <a:xfrm>
-            <a:off x="8369300" y="793750"/>
+            <a:off x="8361045" y="260985"/>
             <a:ext cx="748665" cy="748665"/>
           </a:xfrm>
           <a:prstGeom prst="rect">
